--- a/Lectures/Online Intro.pptx
+++ b/Lectures/Online Intro.pptx
@@ -8,19 +8,20 @@
     <p:sldMasterId id="2147483684" r:id="rId4"/>
   </p:sldMasterIdLst>
   <p:notesMasterIdLst>
-    <p:notesMasterId r:id="rId12"/>
+    <p:notesMasterId r:id="rId13"/>
   </p:notesMasterIdLst>
   <p:handoutMasterIdLst>
-    <p:handoutMasterId r:id="rId13"/>
+    <p:handoutMasterId r:id="rId14"/>
   </p:handoutMasterIdLst>
   <p:sldIdLst>
     <p:sldId id="284" r:id="rId5"/>
     <p:sldId id="283" r:id="rId6"/>
     <p:sldId id="285" r:id="rId7"/>
-    <p:sldId id="287" r:id="rId8"/>
-    <p:sldId id="288" r:id="rId9"/>
-    <p:sldId id="289" r:id="rId10"/>
-    <p:sldId id="286" r:id="rId11"/>
+    <p:sldId id="290" r:id="rId8"/>
+    <p:sldId id="287" r:id="rId9"/>
+    <p:sldId id="288" r:id="rId10"/>
+    <p:sldId id="289" r:id="rId11"/>
+    <p:sldId id="286" r:id="rId12"/>
   </p:sldIdLst>
   <p:sldSz cx="12192000" cy="6858000"/>
   <p:notesSz cx="7315200" cy="9601200"/>
@@ -10248,21 +10249,8 @@
                   <a:schemeClr val="bg2"/>
                 </a:solidFill>
               </a:rPr>
-              <a:t>Checking in </a:t>
-            </a:r>
-            <a:r>
-              <a:rPr lang="en-US" sz="2400" dirty="0" smtClean="0">
-                <a:solidFill>
-                  <a:schemeClr val="bg2"/>
-                </a:solidFill>
-              </a:rPr>
-              <a:t>in breakout rooms</a:t>
-            </a:r>
-            <a:endParaRPr lang="en-US" sz="2400" dirty="0" smtClean="0">
-              <a:solidFill>
-                <a:schemeClr val="bg2"/>
-              </a:solidFill>
-            </a:endParaRPr>
+              <a:t>Checking in in breakout rooms</a:t>
+            </a:r>
           </a:p>
           <a:p>
             <a:pPr>
@@ -10329,21 +10317,8 @@
                   <a:schemeClr val="bg2"/>
                 </a:solidFill>
               </a:rPr>
-              <a:t>Breakout rooms for teams with </a:t>
-            </a:r>
-            <a:r>
-              <a:rPr lang="en-US" sz="1600" dirty="0" smtClean="0">
-                <a:solidFill>
-                  <a:schemeClr val="bg2"/>
-                </a:solidFill>
-              </a:rPr>
-              <a:t>visits from TAs and Monroe</a:t>
-            </a:r>
-            <a:endParaRPr lang="en-US" sz="1600" dirty="0" smtClean="0">
-              <a:solidFill>
-                <a:schemeClr val="bg2"/>
-              </a:solidFill>
-            </a:endParaRPr>
+              <a:t>Breakout rooms for teams with visits from TAs and Monroe</a:t>
+            </a:r>
           </a:p>
           <a:p>
             <a:pPr lvl="2">
@@ -10415,15 +10390,7 @@
                   <a:schemeClr val="bg2"/>
                 </a:solidFill>
               </a:rPr>
-              <a:t>Breakout rooms for </a:t>
-            </a:r>
-            <a:r>
-              <a:rPr lang="en-US" sz="2400" dirty="0" smtClean="0">
-                <a:solidFill>
-                  <a:schemeClr val="bg2"/>
-                </a:solidFill>
-              </a:rPr>
-              <a:t>teams (at the end of our meeting today)</a:t>
+              <a:t>Breakout rooms for teams (at the end of our meeting today)</a:t>
             </a:r>
           </a:p>
           <a:p>
@@ -10438,11 +10405,6 @@
               </a:rPr>
               <a:t>Finish the Fairmont Intro design challenge asap!</a:t>
             </a:r>
-            <a:endParaRPr lang="en-US" sz="2400" dirty="0" smtClean="0">
-              <a:solidFill>
-                <a:schemeClr val="bg2"/>
-              </a:solidFill>
-            </a:endParaRPr>
           </a:p>
           <a:p>
             <a:pPr marL="0" indent="0">
@@ -10585,30 +10547,13 @@
           <a:p>
             <a:r>
               <a:rPr lang="en-US" dirty="0" smtClean="0"/>
-              <a:t>One </a:t>
-            </a:r>
+              <a:t>One thing you did over the past 3 weeks</a:t>
+            </a:r>
+          </a:p>
+          <a:p>
             <a:r>
               <a:rPr lang="en-US" dirty="0" smtClean="0"/>
-              <a:t>thing you </a:t>
-            </a:r>
-            <a:r>
-              <a:rPr lang="en-US" dirty="0" smtClean="0"/>
-              <a:t>did over the past 3 weeks</a:t>
-            </a:r>
-            <a:endParaRPr lang="en-US" dirty="0" smtClean="0"/>
-          </a:p>
-          <a:p>
-            <a:r>
-              <a:rPr lang="en-US" dirty="0" smtClean="0"/>
-              <a:t>A hope for the </a:t>
-            </a:r>
-            <a:r>
-              <a:rPr lang="en-US" dirty="0" smtClean="0"/>
-              <a:t>rest of the spring </a:t>
-            </a:r>
-            <a:r>
-              <a:rPr lang="en-US" dirty="0" smtClean="0"/>
-              <a:t>semester at Cornell</a:t>
+              <a:t>A hope for the rest of the spring semester at Cornell</a:t>
             </a:r>
           </a:p>
           <a:p>
@@ -10616,7 +10561,6 @@
               <a:rPr lang="en-US" dirty="0" smtClean="0"/>
               <a:t>An idea for how to maintain and build our online community of learners for 4590</a:t>
             </a:r>
-            <a:endParaRPr lang="en-US" dirty="0" smtClean="0"/>
           </a:p>
         </p:txBody>
       </p:sp>
@@ -10670,7 +10614,7 @@
           <a:p>
             <a:r>
               <a:rPr lang="en-US" dirty="0" smtClean="0"/>
-              <a:t>Community of learners</a:t>
+              <a:t>So life is complicated right now</a:t>
             </a:r>
             <a:endParaRPr lang="en-US" dirty="0"/>
           </a:p>
@@ -10693,39 +10637,35 @@
           <a:p>
             <a:r>
               <a:rPr lang="en-US" dirty="0" smtClean="0"/>
-              <a:t>Learning how to create effective virtual meetings is a useful life skill for all of us</a:t>
+              <a:t>If your life gets complicated</a:t>
             </a:r>
           </a:p>
           <a:p>
             <a:r>
               <a:rPr lang="en-US" dirty="0" smtClean="0"/>
-              <a:t>This is my first experience with online teaching and so I’m eager to hear your feedback and suggestions</a:t>
-            </a:r>
-          </a:p>
-          <a:p>
+              <a:t>Talk to me (email or phone or zoom or </a:t>
+            </a:r>
+            <a:r>
+              <a:rPr lang="en-US" dirty="0" err="1" smtClean="0"/>
+              <a:t>whatsApp</a:t>
+            </a:r>
             <a:r>
               <a:rPr lang="en-US" dirty="0" smtClean="0"/>
-              <a:t>I want to encourage the idea that we are all in the CEE 4590 office complex and you and your teammates can knock on my door using Zoom any afternoon! </a:t>
+              <a:t> or…)</a:t>
             </a:r>
           </a:p>
           <a:p>
             <a:r>
               <a:rPr lang="en-US" dirty="0" smtClean="0"/>
-              <a:t>It takes extra effort to set up a face-to-face virtual meeting. Make that extra effort!</a:t>
-            </a:r>
-          </a:p>
-          <a:p>
-            <a:endParaRPr lang="en-US" dirty="0" smtClean="0"/>
-          </a:p>
-          <a:p>
-            <a:endParaRPr lang="en-US" dirty="0" smtClean="0"/>
+              <a:t>I’ll respect your privacy. You don’t need to tell me why your life is complicated. Just tell me you need a break or whatever accommodation.  </a:t>
+            </a:r>
           </a:p>
         </p:txBody>
       </p:sp>
     </p:spTree>
     <p:extLst>
       <p:ext uri="{BB962C8B-B14F-4D97-AF65-F5344CB8AC3E}">
-        <p14:creationId xmlns:p14="http://schemas.microsoft.com/office/powerpoint/2010/main" val="4274808249"/>
+        <p14:creationId xmlns:p14="http://schemas.microsoft.com/office/powerpoint/2010/main" val="3090659263"/>
       </p:ext>
     </p:extLst>
   </p:cSld>
@@ -10772,7 +10712,7 @@
           <a:p>
             <a:r>
               <a:rPr lang="en-US" dirty="0" smtClean="0"/>
-              <a:t>Tools for team collaboration</a:t>
+              <a:t>Community of learners</a:t>
             </a:r>
             <a:endParaRPr lang="en-US" dirty="0"/>
           </a:p>
@@ -10780,12 +10720,12 @@
       </p:sp>
       <p:sp>
         <p:nvSpPr>
-          <p:cNvPr id="4" name="Text Placeholder 3"/>
+          <p:cNvPr id="3" name="Content Placeholder 2"/>
           <p:cNvSpPr>
             <a:spLocks noGrp="1"/>
           </p:cNvSpPr>
           <p:nvPr>
-            <p:ph type="body" idx="1"/>
+            <p:ph idx="1"/>
           </p:nvPr>
         </p:nvSpPr>
         <p:spPr/>
@@ -10795,132 +10735,39 @@
           <a:p>
             <a:r>
               <a:rPr lang="en-US" dirty="0" smtClean="0"/>
-              <a:t>Synchronous (at the same time)</a:t>
-            </a:r>
-            <a:endParaRPr lang="en-US" dirty="0"/>
-          </a:p>
-        </p:txBody>
-      </p:sp>
-      <p:sp>
-        <p:nvSpPr>
-          <p:cNvPr id="3" name="Content Placeholder 2"/>
-          <p:cNvSpPr>
-            <a:spLocks noGrp="1"/>
-          </p:cNvSpPr>
-          <p:nvPr>
-            <p:ph sz="half" idx="2"/>
-          </p:nvPr>
-        </p:nvSpPr>
-        <p:spPr/>
-        <p:txBody>
-          <a:bodyPr/>
-          <a:lstStyle/>
+              <a:t>Learning how to create effective virtual meetings is a useful life skill for all of us</a:t>
+            </a:r>
+          </a:p>
           <a:p>
             <a:r>
               <a:rPr lang="en-US" dirty="0" smtClean="0"/>
-              <a:t>Meet via Zoom</a:t>
+              <a:t>This is my first experience with online teaching and so I’m eager to hear your feedback and suggestions</a:t>
             </a:r>
           </a:p>
           <a:p>
             <a:r>
               <a:rPr lang="en-US" dirty="0" smtClean="0"/>
-              <a:t>Send text, audio, video via WhatsApp or other social media platform</a:t>
+              <a:t>I want to encourage the idea that we are all in the CEE 4590 office complex and you and your teammates can knock on my door using Zoom any afternoon! </a:t>
             </a:r>
           </a:p>
           <a:p>
             <a:r>
               <a:rPr lang="en-US" dirty="0" smtClean="0"/>
-              <a:t>Use meetings to discuss challenges, set strategy, and divide up tasks</a:t>
-            </a:r>
-          </a:p>
-          <a:p>
-            <a:r>
-              <a:rPr lang="en-US" dirty="0" smtClean="0"/>
-              <a:t>During each virtual “face-to-face” meeting reflect on how to </a:t>
-            </a:r>
-            <a:r>
-              <a:rPr lang="en-US" dirty="0"/>
-              <a:t>become more </a:t>
-            </a:r>
-            <a:r>
-              <a:rPr lang="en-US" dirty="0" smtClean="0"/>
-              <a:t>effective. (What was good, what could be improved…)</a:t>
+              <a:t>It takes extra effort to set up a face-to-face virtual meeting. Make that extra effort!</a:t>
             </a:r>
           </a:p>
           <a:p>
             <a:endParaRPr lang="en-US" dirty="0" smtClean="0"/>
           </a:p>
-        </p:txBody>
-      </p:sp>
-      <p:sp>
-        <p:nvSpPr>
-          <p:cNvPr id="5" name="Text Placeholder 4"/>
-          <p:cNvSpPr>
-            <a:spLocks noGrp="1"/>
-          </p:cNvSpPr>
-          <p:nvPr>
-            <p:ph type="body" sz="quarter" idx="3"/>
-          </p:nvPr>
-        </p:nvSpPr>
-        <p:spPr/>
-        <p:txBody>
-          <a:bodyPr/>
-          <a:lstStyle/>
-          <a:p>
-            <a:r>
-              <a:rPr lang="en-US" dirty="0" smtClean="0"/>
-              <a:t>Asynchronous (not necessarily at the same time)</a:t>
-            </a:r>
-            <a:endParaRPr lang="en-US" dirty="0"/>
-          </a:p>
-        </p:txBody>
-      </p:sp>
-      <p:sp>
-        <p:nvSpPr>
-          <p:cNvPr id="6" name="Content Placeholder 5"/>
-          <p:cNvSpPr>
-            <a:spLocks noGrp="1"/>
-          </p:cNvSpPr>
-          <p:nvPr>
-            <p:ph sz="quarter" idx="4"/>
-          </p:nvPr>
-        </p:nvSpPr>
-        <p:spPr/>
-        <p:txBody>
-          <a:bodyPr/>
-          <a:lstStyle/>
-          <a:p>
-            <a:r>
-              <a:rPr lang="en-US" dirty="0" smtClean="0"/>
-              <a:t>Create a shared task list (perhaps right in the </a:t>
-            </a:r>
-            <a:r>
-              <a:rPr lang="en-US" dirty="0" err="1" smtClean="0"/>
-              <a:t>Colab</a:t>
-            </a:r>
-            <a:r>
-              <a:rPr lang="en-US" dirty="0" smtClean="0"/>
-              <a:t> sheet) to guide your work</a:t>
-            </a:r>
-          </a:p>
-          <a:p>
-            <a:r>
-              <a:rPr lang="en-US" dirty="0" smtClean="0"/>
-              <a:t>Push your revisions to GitHub and include lots of comments so your team members can take the next steps</a:t>
-            </a:r>
-          </a:p>
-          <a:p>
-            <a:r>
-              <a:rPr lang="en-US" dirty="0" smtClean="0"/>
-              <a:t>Watch the GitHub site so you are notified of changes!</a:t>
-            </a:r>
+          <a:p>
+            <a:endParaRPr lang="en-US" dirty="0" smtClean="0"/>
           </a:p>
         </p:txBody>
       </p:sp>
     </p:spTree>
     <p:extLst>
       <p:ext uri="{BB962C8B-B14F-4D97-AF65-F5344CB8AC3E}">
-        <p14:creationId xmlns:p14="http://schemas.microsoft.com/office/powerpoint/2010/main" val="1913408993"/>
+        <p14:creationId xmlns:p14="http://schemas.microsoft.com/office/powerpoint/2010/main" val="4274808249"/>
       </p:ext>
     </p:extLst>
   </p:cSld>
@@ -10952,7 +10799,7 @@
       </p:grpSpPr>
       <p:sp>
         <p:nvSpPr>
-          <p:cNvPr id="7" name="Title 6"/>
+          <p:cNvPr id="2" name="Title 1"/>
           <p:cNvSpPr>
             <a:spLocks noGrp="1"/>
           </p:cNvSpPr>
@@ -10967,7 +10814,7 @@
           <a:p>
             <a:r>
               <a:rPr lang="en-US" dirty="0" smtClean="0"/>
-              <a:t>High Performing Teams</a:t>
+              <a:t>Tools for team collaboration</a:t>
             </a:r>
             <a:endParaRPr lang="en-US" dirty="0"/>
           </a:p>
@@ -10975,12 +10822,12 @@
       </p:sp>
       <p:sp>
         <p:nvSpPr>
-          <p:cNvPr id="8" name="Content Placeholder 7"/>
+          <p:cNvPr id="4" name="Text Placeholder 3"/>
           <p:cNvSpPr>
             <a:spLocks noGrp="1"/>
           </p:cNvSpPr>
           <p:nvPr>
-            <p:ph idx="1"/>
+            <p:ph type="body" idx="1"/>
           </p:nvPr>
         </p:nvSpPr>
         <p:spPr/>
@@ -10990,88 +10837,132 @@
           <a:p>
             <a:r>
               <a:rPr lang="en-US" dirty="0" smtClean="0"/>
-              <a:t>Use Agile principles (</a:t>
-            </a:r>
-            <a:r>
-              <a:rPr lang="en-US" dirty="0">
-                <a:hlinkClick r:id="rId2"/>
-              </a:rPr>
-              <a:t>https://</a:t>
-            </a:r>
-            <a:r>
-              <a:rPr lang="en-US" dirty="0" smtClean="0">
-                <a:hlinkClick r:id="rId2"/>
-              </a:rPr>
-              <a:t>agilemanifesto.org/principles.html</a:t>
-            </a:r>
+              <a:t>Synchronous (at the same time)</a:t>
+            </a:r>
+            <a:endParaRPr lang="en-US" dirty="0"/>
+          </a:p>
+        </p:txBody>
+      </p:sp>
+      <p:sp>
+        <p:nvSpPr>
+          <p:cNvPr id="3" name="Content Placeholder 2"/>
+          <p:cNvSpPr>
+            <a:spLocks noGrp="1"/>
+          </p:cNvSpPr>
+          <p:nvPr>
+            <p:ph sz="half" idx="2"/>
+          </p:nvPr>
+        </p:nvSpPr>
+        <p:spPr/>
+        <p:txBody>
+          <a:bodyPr/>
+          <a:lstStyle/>
+          <a:p>
             <a:r>
               <a:rPr lang="en-US" dirty="0" smtClean="0"/>
-              <a:t>)</a:t>
+              <a:t>Meet via Zoom</a:t>
             </a:r>
           </a:p>
           <a:p>
             <a:r>
               <a:rPr lang="en-US" dirty="0" smtClean="0"/>
-              <a:t>Perhaps create a basic preliminary design in two weeks. </a:t>
+              <a:t>Send text, audio, video via WhatsApp or other social media platform</a:t>
             </a:r>
           </a:p>
           <a:p>
             <a:r>
               <a:rPr lang="en-US" dirty="0" smtClean="0"/>
-              <a:t>Then refine and add details and ensure the design code continues to work with each revision</a:t>
+              <a:t>Use meetings to discuss challenges, set strategy, and divide up tasks</a:t>
             </a:r>
           </a:p>
           <a:p>
             <a:r>
               <a:rPr lang="en-US" dirty="0" smtClean="0"/>
-              <a:t>Remember: “The </a:t>
+              <a:t>During each virtual “face-to-face” meeting reflect on how to </a:t>
             </a:r>
             <a:r>
               <a:rPr lang="en-US" dirty="0"/>
-              <a:t>most efficient and effective method of</a:t>
-            </a:r>
-            <a:r>
-              <a:rPr lang="en-US" dirty="0"/>
-              <a:t/>
-            </a:r>
-            <a:br>
-              <a:rPr lang="en-US" dirty="0"/>
-            </a:br>
-            <a:r>
-              <a:rPr lang="en-US" dirty="0"/>
-              <a:t>conveying information to and within a development</a:t>
-            </a:r>
-            <a:r>
-              <a:rPr lang="en-US" dirty="0"/>
-              <a:t/>
-            </a:r>
-            <a:br>
-              <a:rPr lang="en-US" dirty="0"/>
-            </a:br>
-            <a:r>
-              <a:rPr lang="en-US" dirty="0"/>
-              <a:t>team is </a:t>
-            </a:r>
-            <a:r>
-              <a:rPr lang="en-US" b="1" dirty="0"/>
-              <a:t>face-to-face</a:t>
-            </a:r>
-            <a:r>
-              <a:rPr lang="en-US" dirty="0"/>
-              <a:t> conversation</a:t>
+              <a:t>become more </a:t>
             </a:r>
             <a:r>
               <a:rPr lang="en-US" dirty="0" smtClean="0"/>
-              <a:t>.”</a:t>
+              <a:t>effective. (What was good, what could be improved…)</a:t>
+            </a:r>
+          </a:p>
+          <a:p>
+            <a:endParaRPr lang="en-US" dirty="0" smtClean="0"/>
+          </a:p>
+        </p:txBody>
+      </p:sp>
+      <p:sp>
+        <p:nvSpPr>
+          <p:cNvPr id="5" name="Text Placeholder 4"/>
+          <p:cNvSpPr>
+            <a:spLocks noGrp="1"/>
+          </p:cNvSpPr>
+          <p:nvPr>
+            <p:ph type="body" sz="quarter" idx="3"/>
+          </p:nvPr>
+        </p:nvSpPr>
+        <p:spPr/>
+        <p:txBody>
+          <a:bodyPr/>
+          <a:lstStyle/>
+          <a:p>
+            <a:r>
+              <a:rPr lang="en-US" dirty="0" smtClean="0"/>
+              <a:t>Asynchronous (not necessarily at the same time)</a:t>
             </a:r>
             <a:endParaRPr lang="en-US" dirty="0"/>
+          </a:p>
+        </p:txBody>
+      </p:sp>
+      <p:sp>
+        <p:nvSpPr>
+          <p:cNvPr id="6" name="Content Placeholder 5"/>
+          <p:cNvSpPr>
+            <a:spLocks noGrp="1"/>
+          </p:cNvSpPr>
+          <p:nvPr>
+            <p:ph sz="quarter" idx="4"/>
+          </p:nvPr>
+        </p:nvSpPr>
+        <p:spPr/>
+        <p:txBody>
+          <a:bodyPr/>
+          <a:lstStyle/>
+          <a:p>
+            <a:r>
+              <a:rPr lang="en-US" dirty="0" smtClean="0"/>
+              <a:t>Create a shared task list (perhaps right in the </a:t>
+            </a:r>
+            <a:r>
+              <a:rPr lang="en-US" dirty="0" err="1" smtClean="0"/>
+              <a:t>Colab</a:t>
+            </a:r>
+            <a:r>
+              <a:rPr lang="en-US" dirty="0" smtClean="0"/>
+              <a:t> sheet) to guide your work</a:t>
+            </a:r>
+          </a:p>
+          <a:p>
+            <a:r>
+              <a:rPr lang="en-US" dirty="0" smtClean="0"/>
+              <a:t>Push your revisions to GitHub and include lots of comments so your team members can take the next steps</a:t>
+            </a:r>
+          </a:p>
+          <a:p>
+            <a:r>
+              <a:rPr lang="en-US" dirty="0" smtClean="0"/>
+              <a:t>Watch the GitHub site so you are notified of changes!</a:t>
+            </a:r>
           </a:p>
         </p:txBody>
       </p:sp>
     </p:spTree>
     <p:extLst>
       <p:ext uri="{BB962C8B-B14F-4D97-AF65-F5344CB8AC3E}">
-        <p14:creationId xmlns:p14="http://schemas.microsoft.com/office/powerpoint/2010/main" val="3772337581"/>
+        <p14:creationId xmlns:p14="http://schemas.microsoft.com/office/powerpoint/2010/main" val="1913408993"/>
       </p:ext>
     </p:extLst>
   </p:cSld>
@@ -11103,6 +10994,149 @@
       </p:grpSpPr>
       <p:sp>
         <p:nvSpPr>
+          <p:cNvPr id="7" name="Title 6"/>
+          <p:cNvSpPr>
+            <a:spLocks noGrp="1"/>
+          </p:cNvSpPr>
+          <p:nvPr>
+            <p:ph type="title"/>
+          </p:nvPr>
+        </p:nvSpPr>
+        <p:spPr/>
+        <p:txBody>
+          <a:bodyPr/>
+          <a:lstStyle/>
+          <a:p>
+            <a:r>
+              <a:rPr lang="en-US" dirty="0" smtClean="0"/>
+              <a:t>High Performing Teams</a:t>
+            </a:r>
+            <a:endParaRPr lang="en-US" dirty="0"/>
+          </a:p>
+        </p:txBody>
+      </p:sp>
+      <p:sp>
+        <p:nvSpPr>
+          <p:cNvPr id="8" name="Content Placeholder 7"/>
+          <p:cNvSpPr>
+            <a:spLocks noGrp="1"/>
+          </p:cNvSpPr>
+          <p:nvPr>
+            <p:ph idx="1"/>
+          </p:nvPr>
+        </p:nvSpPr>
+        <p:spPr/>
+        <p:txBody>
+          <a:bodyPr/>
+          <a:lstStyle/>
+          <a:p>
+            <a:r>
+              <a:rPr lang="en-US" dirty="0" smtClean="0"/>
+              <a:t>Use Agile principles (</a:t>
+            </a:r>
+            <a:r>
+              <a:rPr lang="en-US" dirty="0">
+                <a:hlinkClick r:id="rId2"/>
+              </a:rPr>
+              <a:t>https://</a:t>
+            </a:r>
+            <a:r>
+              <a:rPr lang="en-US" dirty="0" smtClean="0">
+                <a:hlinkClick r:id="rId2"/>
+              </a:rPr>
+              <a:t>agilemanifesto.org/principles.html</a:t>
+            </a:r>
+            <a:r>
+              <a:rPr lang="en-US" dirty="0" smtClean="0"/>
+              <a:t>)</a:t>
+            </a:r>
+          </a:p>
+          <a:p>
+            <a:r>
+              <a:rPr lang="en-US" dirty="0" smtClean="0"/>
+              <a:t>Perhaps create a basic preliminary design in two weeks. </a:t>
+            </a:r>
+          </a:p>
+          <a:p>
+            <a:r>
+              <a:rPr lang="en-US" dirty="0" smtClean="0"/>
+              <a:t>Then refine and add details and ensure the design code continues to work with each revision</a:t>
+            </a:r>
+          </a:p>
+          <a:p>
+            <a:r>
+              <a:rPr lang="en-US" dirty="0" smtClean="0"/>
+              <a:t>Remember: “The </a:t>
+            </a:r>
+            <a:r>
+              <a:rPr lang="en-US" dirty="0"/>
+              <a:t>most efficient and effective method of</a:t>
+            </a:r>
+            <a:br>
+              <a:rPr lang="en-US" dirty="0"/>
+            </a:br>
+            <a:r>
+              <a:rPr lang="en-US" dirty="0"/>
+              <a:t>conveying information to and within a development</a:t>
+            </a:r>
+            <a:br>
+              <a:rPr lang="en-US" dirty="0"/>
+            </a:br>
+            <a:r>
+              <a:rPr lang="en-US" dirty="0"/>
+              <a:t>team is </a:t>
+            </a:r>
+            <a:r>
+              <a:rPr lang="en-US" b="1" dirty="0"/>
+              <a:t>face-to-face</a:t>
+            </a:r>
+            <a:r>
+              <a:rPr lang="en-US" dirty="0"/>
+              <a:t> conversation</a:t>
+            </a:r>
+            <a:r>
+              <a:rPr lang="en-US" dirty="0" smtClean="0"/>
+              <a:t>.”</a:t>
+            </a:r>
+            <a:endParaRPr lang="en-US" dirty="0"/>
+          </a:p>
+        </p:txBody>
+      </p:sp>
+    </p:spTree>
+    <p:extLst>
+      <p:ext uri="{BB962C8B-B14F-4D97-AF65-F5344CB8AC3E}">
+        <p14:creationId xmlns:p14="http://schemas.microsoft.com/office/powerpoint/2010/main" val="3772337581"/>
+      </p:ext>
+    </p:extLst>
+  </p:cSld>
+  <p:clrMapOvr>
+    <a:masterClrMapping/>
+  </p:clrMapOvr>
+  <p:transition>
+    <p:fade/>
+  </p:transition>
+</p:sld>
+</file>
+
+<file path=ppt/slides/slide8.xml><?xml version="1.0" encoding="utf-8"?>
+<p:sld xmlns:a="http://schemas.openxmlformats.org/drawingml/2006/main" xmlns:r="http://schemas.openxmlformats.org/officeDocument/2006/relationships" xmlns:p="http://schemas.openxmlformats.org/presentationml/2006/main">
+  <p:cSld>
+    <p:spTree>
+      <p:nvGrpSpPr>
+        <p:cNvPr id="1" name=""/>
+        <p:cNvGrpSpPr/>
+        <p:nvPr/>
+      </p:nvGrpSpPr>
+      <p:grpSpPr>
+        <a:xfrm>
+          <a:off x="0" y="0"/>
+          <a:ext cx="0" cy="0"/>
+          <a:chOff x="0" y="0"/>
+          <a:chExt cx="0" cy="0"/>
+        </a:xfrm>
+      </p:grpSpPr>
+      <p:sp>
+        <p:nvSpPr>
           <p:cNvPr id="2" name="Title 1"/>
           <p:cNvSpPr>
             <a:spLocks noGrp="1"/>
@@ -11118,11 +11152,7 @@
           <a:p>
             <a:r>
               <a:rPr lang="en-US" dirty="0" smtClean="0"/>
-              <a:t>Agile Capstone </a:t>
-            </a:r>
-            <a:r>
-              <a:rPr lang="en-US" dirty="0" smtClean="0"/>
-              <a:t>Design</a:t>
+              <a:t>Agile Capstone Design</a:t>
             </a:r>
             <a:endParaRPr lang="en-US" dirty="0"/>
           </a:p>

--- a/Lectures/Online Intro.pptx
+++ b/Lectures/Online Intro.pptx
@@ -8,10 +8,10 @@
     <p:sldMasterId id="2147483684" r:id="rId4"/>
   </p:sldMasterIdLst>
   <p:notesMasterIdLst>
-    <p:notesMasterId r:id="rId13"/>
+    <p:notesMasterId r:id="rId15"/>
   </p:notesMasterIdLst>
   <p:handoutMasterIdLst>
-    <p:handoutMasterId r:id="rId14"/>
+    <p:handoutMasterId r:id="rId16"/>
   </p:handoutMasterIdLst>
   <p:sldIdLst>
     <p:sldId id="284" r:id="rId5"/>
@@ -22,6 +22,8 @@
     <p:sldId id="288" r:id="rId10"/>
     <p:sldId id="289" r:id="rId11"/>
     <p:sldId id="286" r:id="rId12"/>
+    <p:sldId id="291" r:id="rId13"/>
+    <p:sldId id="292" r:id="rId14"/>
   </p:sldIdLst>
   <p:sldSz cx="12192000" cy="6858000"/>
   <p:notesSz cx="7315200" cy="9601200"/>
@@ -10175,6 +10177,121 @@
 </p:sld>
 </file>
 
+<file path=ppt/slides/slide10.xml><?xml version="1.0" encoding="utf-8"?>
+<p:sld xmlns:a="http://schemas.openxmlformats.org/drawingml/2006/main" xmlns:r="http://schemas.openxmlformats.org/officeDocument/2006/relationships" xmlns:p="http://schemas.openxmlformats.org/presentationml/2006/main">
+  <p:cSld>
+    <p:spTree>
+      <p:nvGrpSpPr>
+        <p:cNvPr id="1" name=""/>
+        <p:cNvGrpSpPr/>
+        <p:nvPr/>
+      </p:nvGrpSpPr>
+      <p:grpSpPr>
+        <a:xfrm>
+          <a:off x="0" y="0"/>
+          <a:ext cx="0" cy="0"/>
+          <a:chOff x="0" y="0"/>
+          <a:chExt cx="0" cy="0"/>
+        </a:xfrm>
+      </p:grpSpPr>
+      <p:sp>
+        <p:nvSpPr>
+          <p:cNvPr id="2" name="Title 1"/>
+          <p:cNvSpPr>
+            <a:spLocks noGrp="1"/>
+          </p:cNvSpPr>
+          <p:nvPr>
+            <p:ph type="title"/>
+          </p:nvPr>
+        </p:nvSpPr>
+        <p:spPr/>
+        <p:txBody>
+          <a:bodyPr/>
+          <a:lstStyle/>
+          <a:p>
+            <a:r>
+              <a:rPr lang="en-US" dirty="0" smtClean="0"/>
+              <a:t>4/14/20 Agenda</a:t>
+            </a:r>
+            <a:endParaRPr lang="en-US" dirty="0"/>
+          </a:p>
+        </p:txBody>
+      </p:sp>
+      <p:sp>
+        <p:nvSpPr>
+          <p:cNvPr id="3" name="Content Placeholder 2"/>
+          <p:cNvSpPr>
+            <a:spLocks noGrp="1"/>
+          </p:cNvSpPr>
+          <p:nvPr>
+            <p:ph idx="1"/>
+          </p:nvPr>
+        </p:nvSpPr>
+        <p:spPr/>
+        <p:txBody>
+          <a:bodyPr/>
+          <a:lstStyle/>
+          <a:p>
+            <a:r>
+              <a:rPr lang="en-US" dirty="0" smtClean="0"/>
+              <a:t>Watch 4590FSP </a:t>
+            </a:r>
+            <a:r>
+              <a:rPr lang="en-US" dirty="0">
+                <a:hlinkClick r:id="rId2"/>
+              </a:rPr>
+              <a:t>https://</a:t>
+            </a:r>
+            <a:r>
+              <a:rPr lang="en-US" dirty="0" smtClean="0">
+                <a:hlinkClick r:id="rId2"/>
+              </a:rPr>
+              <a:t>github.com/MWSteams/4590FSP</a:t>
+            </a:r>
+            <a:endParaRPr lang="en-US" dirty="0" smtClean="0"/>
+          </a:p>
+          <a:p>
+            <a:r>
+              <a:rPr lang="en-US" dirty="0" smtClean="0"/>
+              <a:t>Go to </a:t>
+            </a:r>
+            <a:r>
+              <a:rPr lang="en-US" dirty="0" err="1" smtClean="0"/>
+              <a:t>Github</a:t>
+            </a:r>
+            <a:r>
+              <a:rPr lang="en-US" dirty="0" smtClean="0"/>
+              <a:t> and change your username so it is readable by a human (include your name) </a:t>
+            </a:r>
+            <a:r>
+              <a:rPr lang="en-US" dirty="0">
+                <a:hlinkClick r:id="rId3"/>
+              </a:rPr>
+              <a:t>https://github.com/settings/profile</a:t>
+            </a:r>
+            <a:endParaRPr lang="en-US" dirty="0" smtClean="0"/>
+          </a:p>
+          <a:p>
+            <a:endParaRPr lang="en-US" dirty="0"/>
+          </a:p>
+        </p:txBody>
+      </p:sp>
+    </p:spTree>
+    <p:extLst>
+      <p:ext uri="{BB962C8B-B14F-4D97-AF65-F5344CB8AC3E}">
+        <p14:creationId xmlns:p14="http://schemas.microsoft.com/office/powerpoint/2010/main" val="274737568"/>
+      </p:ext>
+    </p:extLst>
+  </p:cSld>
+  <p:clrMapOvr>
+    <a:masterClrMapping/>
+  </p:clrMapOvr>
+  <p:transition>
+    <p:fade/>
+  </p:transition>
+</p:sld>
+</file>
+
 <file path=ppt/slides/slide2.xml><?xml version="1.0" encoding="utf-8"?>
 <p:sld xmlns:a="http://schemas.openxmlformats.org/drawingml/2006/main" xmlns:r="http://schemas.openxmlformats.org/officeDocument/2006/relationships" xmlns:p="http://schemas.openxmlformats.org/presentationml/2006/main">
   <p:cSld>
@@ -10753,6 +10870,12 @@
           <a:p>
             <a:r>
               <a:rPr lang="en-US" dirty="0" smtClean="0"/>
+              <a:t>I also have office hours at 3 pm every weekday afternoon</a:t>
+            </a:r>
+          </a:p>
+          <a:p>
+            <a:r>
+              <a:rPr lang="en-US" dirty="0" smtClean="0"/>
               <a:t>It takes extra effort to set up a face-to-face virtual meeting. Make that extra effort!</a:t>
             </a:r>
           </a:p>
@@ -11227,6 +11350,136 @@
     <p:extLst>
       <p:ext uri="{BB962C8B-B14F-4D97-AF65-F5344CB8AC3E}">
         <p14:creationId xmlns:p14="http://schemas.microsoft.com/office/powerpoint/2010/main" val="1981942121"/>
+      </p:ext>
+    </p:extLst>
+  </p:cSld>
+  <p:clrMapOvr>
+    <a:masterClrMapping/>
+  </p:clrMapOvr>
+  <p:transition>
+    <p:fade/>
+  </p:transition>
+</p:sld>
+</file>
+
+<file path=ppt/slides/slide9.xml><?xml version="1.0" encoding="utf-8"?>
+<p:sld xmlns:a="http://schemas.openxmlformats.org/drawingml/2006/main" xmlns:r="http://schemas.openxmlformats.org/officeDocument/2006/relationships" xmlns:p="http://schemas.openxmlformats.org/presentationml/2006/main">
+  <p:cSld>
+    <p:spTree>
+      <p:nvGrpSpPr>
+        <p:cNvPr id="1" name=""/>
+        <p:cNvGrpSpPr/>
+        <p:nvPr/>
+      </p:nvGrpSpPr>
+      <p:grpSpPr>
+        <a:xfrm>
+          <a:off x="0" y="0"/>
+          <a:ext cx="0" cy="0"/>
+          <a:chOff x="0" y="0"/>
+          <a:chExt cx="0" cy="0"/>
+        </a:xfrm>
+      </p:grpSpPr>
+      <p:sp>
+        <p:nvSpPr>
+          <p:cNvPr id="2" name="Title 1"/>
+          <p:cNvSpPr>
+            <a:spLocks noGrp="1"/>
+          </p:cNvSpPr>
+          <p:nvPr>
+            <p:ph type="title"/>
+          </p:nvPr>
+        </p:nvSpPr>
+        <p:spPr/>
+        <p:txBody>
+          <a:bodyPr/>
+          <a:lstStyle/>
+          <a:p>
+            <a:r>
+              <a:rPr lang="en-US" dirty="0" smtClean="0"/>
+              <a:t>4/9/2020 agenda</a:t>
+            </a:r>
+            <a:endParaRPr lang="en-US" dirty="0"/>
+          </a:p>
+        </p:txBody>
+      </p:sp>
+      <p:sp>
+        <p:nvSpPr>
+          <p:cNvPr id="3" name="Content Placeholder 2"/>
+          <p:cNvSpPr>
+            <a:spLocks noGrp="1"/>
+          </p:cNvSpPr>
+          <p:nvPr>
+            <p:ph idx="1"/>
+          </p:nvPr>
+        </p:nvSpPr>
+        <p:spPr/>
+        <p:txBody>
+          <a:bodyPr/>
+          <a:lstStyle/>
+          <a:p>
+            <a:r>
+              <a:rPr lang="en-US" dirty="0" smtClean="0"/>
+              <a:t>Create your team’s branch of the 4590FSP repository</a:t>
+            </a:r>
+          </a:p>
+          <a:p>
+            <a:r>
+              <a:rPr lang="en-US" dirty="0" smtClean="0"/>
+              <a:t>Open your </a:t>
+            </a:r>
+            <a:r>
+              <a:rPr lang="en-US" dirty="0" err="1" smtClean="0"/>
+              <a:t>colab</a:t>
+            </a:r>
+            <a:r>
+              <a:rPr lang="en-US" dirty="0" smtClean="0"/>
+              <a:t> sheet (named for your team!)</a:t>
+            </a:r>
+          </a:p>
+          <a:p>
+            <a:r>
+              <a:rPr lang="en-US" dirty="0" smtClean="0"/>
+              <a:t>Make a change</a:t>
+            </a:r>
+          </a:p>
+          <a:p>
+            <a:r>
+              <a:rPr lang="en-US" dirty="0" smtClean="0"/>
+              <a:t>Save it to </a:t>
+            </a:r>
+            <a:r>
+              <a:rPr lang="en-US" dirty="0" err="1" smtClean="0"/>
+              <a:t>github</a:t>
+            </a:r>
+            <a:r>
+              <a:rPr lang="en-US" dirty="0" smtClean="0"/>
+              <a:t> to your branch</a:t>
+            </a:r>
+          </a:p>
+          <a:p>
+            <a:r>
+              <a:rPr lang="en-US" dirty="0" smtClean="0"/>
+              <a:t>Start working on </a:t>
+            </a:r>
+            <a:r>
+              <a:rPr lang="en-US" dirty="0"/>
+              <a:t>Basis of Design Criteria</a:t>
+            </a:r>
+            <a:endParaRPr lang="en-US" dirty="0" smtClean="0"/>
+          </a:p>
+          <a:p>
+            <a:r>
+              <a:rPr lang="en-US" dirty="0" smtClean="0"/>
+              <a:t>Team meetings to discuss Basis of Design during class today, Tuesday, or in my office hours</a:t>
+            </a:r>
+            <a:endParaRPr lang="en-US" dirty="0"/>
+          </a:p>
+        </p:txBody>
+      </p:sp>
+    </p:spTree>
+    <p:extLst>
+      <p:ext uri="{BB962C8B-B14F-4D97-AF65-F5344CB8AC3E}">
+        <p14:creationId xmlns:p14="http://schemas.microsoft.com/office/powerpoint/2010/main" val="1019557821"/>
       </p:ext>
     </p:extLst>
   </p:cSld>
